--- a/ppt 16-9/0801.撒网的人.pptx
+++ b/ppt 16-9/0801.撒网的人.pptx
@@ -5,7 +5,7 @@
     <p:sldMasterId id="2147483648" r:id="rId1"/>
   </p:sldMasterIdLst>
   <p:sldIdLst>
-    <p:sldId id="2071" r:id="rId2"/>
+    <p:sldId id="2073" r:id="rId2"/>
   </p:sldIdLst>
   <p:sldSz cx="12192000" cy="6858000"/>
   <p:notesSz cx="6858000" cy="9144000"/>
@@ -129,7 +129,7 @@
           <p:cNvPr id="2" name="标题 1">
             <a:extLst>
               <a:ext uri="{FF2B5EF4-FFF2-40B4-BE49-F238E27FC236}">
-                <a16:creationId xmlns:a16="http://schemas.microsoft.com/office/drawing/2014/main" id="{AEE8E003-D01A-52BE-087C-2E74FFD32ED6}"/>
+                <a16:creationId xmlns:a16="http://schemas.microsoft.com/office/drawing/2014/main" id="{74B7C7B0-6CEC-0F66-D464-A629EBF3721A}"/>
               </a:ext>
             </a:extLst>
           </p:cNvPr>
@@ -166,7 +166,7 @@
           <p:cNvPr id="3" name="副标题 2">
             <a:extLst>
               <a:ext uri="{FF2B5EF4-FFF2-40B4-BE49-F238E27FC236}">
-                <a16:creationId xmlns:a16="http://schemas.microsoft.com/office/drawing/2014/main" id="{344DB3A6-7211-3CC2-468D-65FED0B990F0}"/>
+                <a16:creationId xmlns:a16="http://schemas.microsoft.com/office/drawing/2014/main" id="{4D964DAA-6B18-4C62-66B1-075454EDEBD4}"/>
               </a:ext>
             </a:extLst>
           </p:cNvPr>
@@ -236,7 +236,7 @@
           <p:cNvPr id="4" name="日期占位符 3">
             <a:extLst>
               <a:ext uri="{FF2B5EF4-FFF2-40B4-BE49-F238E27FC236}">
-                <a16:creationId xmlns:a16="http://schemas.microsoft.com/office/drawing/2014/main" id="{43DC2EF2-CE7F-C8DC-8927-9E9883662C3A}"/>
+                <a16:creationId xmlns:a16="http://schemas.microsoft.com/office/drawing/2014/main" id="{B9E494C4-94D0-44C7-7DEB-EAA78C2B7C6C}"/>
               </a:ext>
             </a:extLst>
           </p:cNvPr>
@@ -252,7 +252,7 @@
           <a:bodyPr/>
           <a:lstStyle/>
           <a:p>
-            <a:fld id="{D700266C-2C88-4797-8D94-57042B8E66BE}" type="datetimeFigureOut">
+            <a:fld id="{4285405D-BB34-4ADD-AE8B-1903E8C1DA22}" type="datetimeFigureOut">
               <a:rPr lang="zh-CN" altLang="en-US" smtClean="0"/>
               <a:t>2024/3/10</a:t>
             </a:fld>
@@ -265,7 +265,7 @@
           <p:cNvPr id="5" name="页脚占位符 4">
             <a:extLst>
               <a:ext uri="{FF2B5EF4-FFF2-40B4-BE49-F238E27FC236}">
-                <a16:creationId xmlns:a16="http://schemas.microsoft.com/office/drawing/2014/main" id="{5AE40BC9-F0CB-D23C-64A5-603C9E90F3F1}"/>
+                <a16:creationId xmlns:a16="http://schemas.microsoft.com/office/drawing/2014/main" id="{CE26CD34-8038-DA83-F7BB-FE782D2A26CB}"/>
               </a:ext>
             </a:extLst>
           </p:cNvPr>
@@ -290,7 +290,7 @@
           <p:cNvPr id="6" name="灯片编号占位符 5">
             <a:extLst>
               <a:ext uri="{FF2B5EF4-FFF2-40B4-BE49-F238E27FC236}">
-                <a16:creationId xmlns:a16="http://schemas.microsoft.com/office/drawing/2014/main" id="{8A380686-0968-F32D-46D0-69CC146FE905}"/>
+                <a16:creationId xmlns:a16="http://schemas.microsoft.com/office/drawing/2014/main" id="{C3AAA001-1A2A-6002-157C-119303ECFB04}"/>
               </a:ext>
             </a:extLst>
           </p:cNvPr>
@@ -306,7 +306,7 @@
           <a:bodyPr/>
           <a:lstStyle/>
           <a:p>
-            <a:fld id="{3BCEE845-CF20-4F65-B680-50B6FC51AF92}" type="slidenum">
+            <a:fld id="{780F53BF-1C37-4C94-82B3-B547BCDA4C3E}" type="slidenum">
               <a:rPr lang="zh-CN" altLang="en-US" smtClean="0"/>
               <a:t>‹#›</a:t>
             </a:fld>
@@ -317,7 +317,7 @@
     </p:spTree>
     <p:extLst>
       <p:ext uri="{BB962C8B-B14F-4D97-AF65-F5344CB8AC3E}">
-        <p14:creationId xmlns:p14="http://schemas.microsoft.com/office/powerpoint/2010/main" val="1984466"/>
+        <p14:creationId xmlns:p14="http://schemas.microsoft.com/office/powerpoint/2010/main" val="3761087760"/>
       </p:ext>
     </p:extLst>
   </p:cSld>
@@ -349,7 +349,7 @@
           <p:cNvPr id="2" name="标题 1">
             <a:extLst>
               <a:ext uri="{FF2B5EF4-FFF2-40B4-BE49-F238E27FC236}">
-                <a16:creationId xmlns:a16="http://schemas.microsoft.com/office/drawing/2014/main" id="{8A77002C-8A79-4EB4-755D-67DF16D485EE}"/>
+                <a16:creationId xmlns:a16="http://schemas.microsoft.com/office/drawing/2014/main" id="{B98CAFCE-3E30-53D7-3FBA-3EA98E964131}"/>
               </a:ext>
             </a:extLst>
           </p:cNvPr>
@@ -377,7 +377,7 @@
           <p:cNvPr id="3" name="竖排文字占位符 2">
             <a:extLst>
               <a:ext uri="{FF2B5EF4-FFF2-40B4-BE49-F238E27FC236}">
-                <a16:creationId xmlns:a16="http://schemas.microsoft.com/office/drawing/2014/main" id="{7C7739EB-5F69-CC60-276E-3C2F2C5481C9}"/>
+                <a16:creationId xmlns:a16="http://schemas.microsoft.com/office/drawing/2014/main" id="{6E083276-4CBE-B980-113B-CE7DC64A8C72}"/>
               </a:ext>
             </a:extLst>
           </p:cNvPr>
@@ -434,7 +434,7 @@
           <p:cNvPr id="4" name="日期占位符 3">
             <a:extLst>
               <a:ext uri="{FF2B5EF4-FFF2-40B4-BE49-F238E27FC236}">
-                <a16:creationId xmlns:a16="http://schemas.microsoft.com/office/drawing/2014/main" id="{BC77FE9D-D891-9BA8-1EF6-51FCC74AAF73}"/>
+                <a16:creationId xmlns:a16="http://schemas.microsoft.com/office/drawing/2014/main" id="{8E276825-3E86-1330-2A8D-F74E996B31DA}"/>
               </a:ext>
             </a:extLst>
           </p:cNvPr>
@@ -450,7 +450,7 @@
           <a:bodyPr/>
           <a:lstStyle/>
           <a:p>
-            <a:fld id="{D700266C-2C88-4797-8D94-57042B8E66BE}" type="datetimeFigureOut">
+            <a:fld id="{4285405D-BB34-4ADD-AE8B-1903E8C1DA22}" type="datetimeFigureOut">
               <a:rPr lang="zh-CN" altLang="en-US" smtClean="0"/>
               <a:t>2024/3/10</a:t>
             </a:fld>
@@ -463,7 +463,7 @@
           <p:cNvPr id="5" name="页脚占位符 4">
             <a:extLst>
               <a:ext uri="{FF2B5EF4-FFF2-40B4-BE49-F238E27FC236}">
-                <a16:creationId xmlns:a16="http://schemas.microsoft.com/office/drawing/2014/main" id="{B4B79AF5-6894-FAA7-B29D-4DEDF503FE91}"/>
+                <a16:creationId xmlns:a16="http://schemas.microsoft.com/office/drawing/2014/main" id="{D57E78D0-FDAD-45CA-CAE4-BC00BBE49C6D}"/>
               </a:ext>
             </a:extLst>
           </p:cNvPr>
@@ -488,7 +488,7 @@
           <p:cNvPr id="6" name="灯片编号占位符 5">
             <a:extLst>
               <a:ext uri="{FF2B5EF4-FFF2-40B4-BE49-F238E27FC236}">
-                <a16:creationId xmlns:a16="http://schemas.microsoft.com/office/drawing/2014/main" id="{9C072A4F-0550-8F87-9D48-B491DC7AE5AF}"/>
+                <a16:creationId xmlns:a16="http://schemas.microsoft.com/office/drawing/2014/main" id="{4052936F-C11A-64A1-3E16-D671E4FB073A}"/>
               </a:ext>
             </a:extLst>
           </p:cNvPr>
@@ -504,7 +504,7 @@
           <a:bodyPr/>
           <a:lstStyle/>
           <a:p>
-            <a:fld id="{3BCEE845-CF20-4F65-B680-50B6FC51AF92}" type="slidenum">
+            <a:fld id="{780F53BF-1C37-4C94-82B3-B547BCDA4C3E}" type="slidenum">
               <a:rPr lang="zh-CN" altLang="en-US" smtClean="0"/>
               <a:t>‹#›</a:t>
             </a:fld>
@@ -515,7 +515,7 @@
     </p:spTree>
     <p:extLst>
       <p:ext uri="{BB962C8B-B14F-4D97-AF65-F5344CB8AC3E}">
-        <p14:creationId xmlns:p14="http://schemas.microsoft.com/office/powerpoint/2010/main" val="364093104"/>
+        <p14:creationId xmlns:p14="http://schemas.microsoft.com/office/powerpoint/2010/main" val="2759254569"/>
       </p:ext>
     </p:extLst>
   </p:cSld>
@@ -547,7 +547,7 @@
           <p:cNvPr id="2" name="竖排标题 1">
             <a:extLst>
               <a:ext uri="{FF2B5EF4-FFF2-40B4-BE49-F238E27FC236}">
-                <a16:creationId xmlns:a16="http://schemas.microsoft.com/office/drawing/2014/main" id="{C33F5E56-FEFF-3BB6-D417-2835F02E58B0}"/>
+                <a16:creationId xmlns:a16="http://schemas.microsoft.com/office/drawing/2014/main" id="{38029AE3-CCB3-4F24-9440-615D0533C704}"/>
               </a:ext>
             </a:extLst>
           </p:cNvPr>
@@ -580,7 +580,7 @@
           <p:cNvPr id="3" name="竖排文字占位符 2">
             <a:extLst>
               <a:ext uri="{FF2B5EF4-FFF2-40B4-BE49-F238E27FC236}">
-                <a16:creationId xmlns:a16="http://schemas.microsoft.com/office/drawing/2014/main" id="{8DA7E357-BE49-49FD-0BDC-2D7738F4924F}"/>
+                <a16:creationId xmlns:a16="http://schemas.microsoft.com/office/drawing/2014/main" id="{0D501F43-8FF9-450F-9CCD-AB8EF7C3B4F5}"/>
               </a:ext>
             </a:extLst>
           </p:cNvPr>
@@ -642,7 +642,7 @@
           <p:cNvPr id="4" name="日期占位符 3">
             <a:extLst>
               <a:ext uri="{FF2B5EF4-FFF2-40B4-BE49-F238E27FC236}">
-                <a16:creationId xmlns:a16="http://schemas.microsoft.com/office/drawing/2014/main" id="{DB1CF5C7-1200-CC8A-4254-5687B33CE21F}"/>
+                <a16:creationId xmlns:a16="http://schemas.microsoft.com/office/drawing/2014/main" id="{53AC8243-7B50-DDCC-E931-0E869EC87620}"/>
               </a:ext>
             </a:extLst>
           </p:cNvPr>
@@ -658,7 +658,7 @@
           <a:bodyPr/>
           <a:lstStyle/>
           <a:p>
-            <a:fld id="{D700266C-2C88-4797-8D94-57042B8E66BE}" type="datetimeFigureOut">
+            <a:fld id="{4285405D-BB34-4ADD-AE8B-1903E8C1DA22}" type="datetimeFigureOut">
               <a:rPr lang="zh-CN" altLang="en-US" smtClean="0"/>
               <a:t>2024/3/10</a:t>
             </a:fld>
@@ -671,7 +671,7 @@
           <p:cNvPr id="5" name="页脚占位符 4">
             <a:extLst>
               <a:ext uri="{FF2B5EF4-FFF2-40B4-BE49-F238E27FC236}">
-                <a16:creationId xmlns:a16="http://schemas.microsoft.com/office/drawing/2014/main" id="{F6FDF213-7B6D-2967-680F-7D697516BABD}"/>
+                <a16:creationId xmlns:a16="http://schemas.microsoft.com/office/drawing/2014/main" id="{76E8EB1C-553F-6954-4D1E-B01FC012CCE0}"/>
               </a:ext>
             </a:extLst>
           </p:cNvPr>
@@ -696,7 +696,7 @@
           <p:cNvPr id="6" name="灯片编号占位符 5">
             <a:extLst>
               <a:ext uri="{FF2B5EF4-FFF2-40B4-BE49-F238E27FC236}">
-                <a16:creationId xmlns:a16="http://schemas.microsoft.com/office/drawing/2014/main" id="{C0F83578-3F43-3574-27F0-68F4EE4ECE34}"/>
+                <a16:creationId xmlns:a16="http://schemas.microsoft.com/office/drawing/2014/main" id="{DBB6B36E-B7C2-C150-BF72-782B1749C671}"/>
               </a:ext>
             </a:extLst>
           </p:cNvPr>
@@ -712,7 +712,7 @@
           <a:bodyPr/>
           <a:lstStyle/>
           <a:p>
-            <a:fld id="{3BCEE845-CF20-4F65-B680-50B6FC51AF92}" type="slidenum">
+            <a:fld id="{780F53BF-1C37-4C94-82B3-B547BCDA4C3E}" type="slidenum">
               <a:rPr lang="zh-CN" altLang="en-US" smtClean="0"/>
               <a:t>‹#›</a:t>
             </a:fld>
@@ -723,7 +723,7 @@
     </p:spTree>
     <p:extLst>
       <p:ext uri="{BB962C8B-B14F-4D97-AF65-F5344CB8AC3E}">
-        <p14:creationId xmlns:p14="http://schemas.microsoft.com/office/powerpoint/2010/main" val="1173570878"/>
+        <p14:creationId xmlns:p14="http://schemas.microsoft.com/office/powerpoint/2010/main" val="4166968819"/>
       </p:ext>
     </p:extLst>
   </p:cSld>
@@ -755,7 +755,7 @@
           <p:cNvPr id="2" name="标题 1">
             <a:extLst>
               <a:ext uri="{FF2B5EF4-FFF2-40B4-BE49-F238E27FC236}">
-                <a16:creationId xmlns:a16="http://schemas.microsoft.com/office/drawing/2014/main" id="{F2860324-2FE2-ABE7-4A9B-AAC2C5974CEF}"/>
+                <a16:creationId xmlns:a16="http://schemas.microsoft.com/office/drawing/2014/main" id="{C2CEE1FC-D749-7C42-0179-717F02D5BCA4}"/>
               </a:ext>
             </a:extLst>
           </p:cNvPr>
@@ -783,7 +783,7 @@
           <p:cNvPr id="3" name="内容占位符 2">
             <a:extLst>
               <a:ext uri="{FF2B5EF4-FFF2-40B4-BE49-F238E27FC236}">
-                <a16:creationId xmlns:a16="http://schemas.microsoft.com/office/drawing/2014/main" id="{9E0E624E-76F1-84D6-C760-F3245813ADAF}"/>
+                <a16:creationId xmlns:a16="http://schemas.microsoft.com/office/drawing/2014/main" id="{9FBEE440-504B-DCC9-0358-FD384EBDD15F}"/>
               </a:ext>
             </a:extLst>
           </p:cNvPr>
@@ -840,7 +840,7 @@
           <p:cNvPr id="4" name="日期占位符 3">
             <a:extLst>
               <a:ext uri="{FF2B5EF4-FFF2-40B4-BE49-F238E27FC236}">
-                <a16:creationId xmlns:a16="http://schemas.microsoft.com/office/drawing/2014/main" id="{B0214C2D-627E-7F4F-DCCE-C61A35ED28CC}"/>
+                <a16:creationId xmlns:a16="http://schemas.microsoft.com/office/drawing/2014/main" id="{AFD6226A-1B43-41A9-D2A8-8F32836EF62B}"/>
               </a:ext>
             </a:extLst>
           </p:cNvPr>
@@ -856,7 +856,7 @@
           <a:bodyPr/>
           <a:lstStyle/>
           <a:p>
-            <a:fld id="{D700266C-2C88-4797-8D94-57042B8E66BE}" type="datetimeFigureOut">
+            <a:fld id="{4285405D-BB34-4ADD-AE8B-1903E8C1DA22}" type="datetimeFigureOut">
               <a:rPr lang="zh-CN" altLang="en-US" smtClean="0"/>
               <a:t>2024/3/10</a:t>
             </a:fld>
@@ -869,7 +869,7 @@
           <p:cNvPr id="5" name="页脚占位符 4">
             <a:extLst>
               <a:ext uri="{FF2B5EF4-FFF2-40B4-BE49-F238E27FC236}">
-                <a16:creationId xmlns:a16="http://schemas.microsoft.com/office/drawing/2014/main" id="{600A8B9B-879F-CE94-AD62-D3771D9E0153}"/>
+                <a16:creationId xmlns:a16="http://schemas.microsoft.com/office/drawing/2014/main" id="{1A8B9941-4C8E-1CC4-2431-27E7B5BA9753}"/>
               </a:ext>
             </a:extLst>
           </p:cNvPr>
@@ -894,7 +894,7 @@
           <p:cNvPr id="6" name="灯片编号占位符 5">
             <a:extLst>
               <a:ext uri="{FF2B5EF4-FFF2-40B4-BE49-F238E27FC236}">
-                <a16:creationId xmlns:a16="http://schemas.microsoft.com/office/drawing/2014/main" id="{29FC9F42-0613-FA40-CA8C-497A7C51FCD7}"/>
+                <a16:creationId xmlns:a16="http://schemas.microsoft.com/office/drawing/2014/main" id="{66BF2966-913A-3C18-D269-D0A91A2F6A08}"/>
               </a:ext>
             </a:extLst>
           </p:cNvPr>
@@ -910,7 +910,7 @@
           <a:bodyPr/>
           <a:lstStyle/>
           <a:p>
-            <a:fld id="{3BCEE845-CF20-4F65-B680-50B6FC51AF92}" type="slidenum">
+            <a:fld id="{780F53BF-1C37-4C94-82B3-B547BCDA4C3E}" type="slidenum">
               <a:rPr lang="zh-CN" altLang="en-US" smtClean="0"/>
               <a:t>‹#›</a:t>
             </a:fld>
@@ -921,7 +921,7 @@
     </p:spTree>
     <p:extLst>
       <p:ext uri="{BB962C8B-B14F-4D97-AF65-F5344CB8AC3E}">
-        <p14:creationId xmlns:p14="http://schemas.microsoft.com/office/powerpoint/2010/main" val="2099615578"/>
+        <p14:creationId xmlns:p14="http://schemas.microsoft.com/office/powerpoint/2010/main" val="4168407924"/>
       </p:ext>
     </p:extLst>
   </p:cSld>
@@ -953,7 +953,7 @@
           <p:cNvPr id="2" name="标题 1">
             <a:extLst>
               <a:ext uri="{FF2B5EF4-FFF2-40B4-BE49-F238E27FC236}">
-                <a16:creationId xmlns:a16="http://schemas.microsoft.com/office/drawing/2014/main" id="{DE591176-1B39-35E7-AED8-33766858D139}"/>
+                <a16:creationId xmlns:a16="http://schemas.microsoft.com/office/drawing/2014/main" id="{9F92A32F-B393-2E1D-FA97-3A5DBB1532F3}"/>
               </a:ext>
             </a:extLst>
           </p:cNvPr>
@@ -990,7 +990,7 @@
           <p:cNvPr id="3" name="文本占位符 2">
             <a:extLst>
               <a:ext uri="{FF2B5EF4-FFF2-40B4-BE49-F238E27FC236}">
-                <a16:creationId xmlns:a16="http://schemas.microsoft.com/office/drawing/2014/main" id="{3B37A590-2350-7230-D826-1579363E82EE}"/>
+                <a16:creationId xmlns:a16="http://schemas.microsoft.com/office/drawing/2014/main" id="{31BC2D10-9ED3-EB88-F2BE-C6CD40C3AFDC}"/>
               </a:ext>
             </a:extLst>
           </p:cNvPr>
@@ -1115,7 +1115,7 @@
           <p:cNvPr id="4" name="日期占位符 3">
             <a:extLst>
               <a:ext uri="{FF2B5EF4-FFF2-40B4-BE49-F238E27FC236}">
-                <a16:creationId xmlns:a16="http://schemas.microsoft.com/office/drawing/2014/main" id="{C7439856-3C77-1011-B963-0401082C37A4}"/>
+                <a16:creationId xmlns:a16="http://schemas.microsoft.com/office/drawing/2014/main" id="{B6A32840-38B1-6E73-33A7-DCEDFB6ADC16}"/>
               </a:ext>
             </a:extLst>
           </p:cNvPr>
@@ -1131,7 +1131,7 @@
           <a:bodyPr/>
           <a:lstStyle/>
           <a:p>
-            <a:fld id="{D700266C-2C88-4797-8D94-57042B8E66BE}" type="datetimeFigureOut">
+            <a:fld id="{4285405D-BB34-4ADD-AE8B-1903E8C1DA22}" type="datetimeFigureOut">
               <a:rPr lang="zh-CN" altLang="en-US" smtClean="0"/>
               <a:t>2024/3/10</a:t>
             </a:fld>
@@ -1144,7 +1144,7 @@
           <p:cNvPr id="5" name="页脚占位符 4">
             <a:extLst>
               <a:ext uri="{FF2B5EF4-FFF2-40B4-BE49-F238E27FC236}">
-                <a16:creationId xmlns:a16="http://schemas.microsoft.com/office/drawing/2014/main" id="{DC9C1DE8-EC2A-95FC-168D-51E311E6CBD4}"/>
+                <a16:creationId xmlns:a16="http://schemas.microsoft.com/office/drawing/2014/main" id="{CC00EF6B-5482-93CC-0288-F31683F8947A}"/>
               </a:ext>
             </a:extLst>
           </p:cNvPr>
@@ -1169,7 +1169,7 @@
           <p:cNvPr id="6" name="灯片编号占位符 5">
             <a:extLst>
               <a:ext uri="{FF2B5EF4-FFF2-40B4-BE49-F238E27FC236}">
-                <a16:creationId xmlns:a16="http://schemas.microsoft.com/office/drawing/2014/main" id="{FFAA1928-F756-EFFE-8EEB-83AF0D0C6712}"/>
+                <a16:creationId xmlns:a16="http://schemas.microsoft.com/office/drawing/2014/main" id="{DF401182-0D6B-A6F0-D12C-644F43CAA472}"/>
               </a:ext>
             </a:extLst>
           </p:cNvPr>
@@ -1185,7 +1185,7 @@
           <a:bodyPr/>
           <a:lstStyle/>
           <a:p>
-            <a:fld id="{3BCEE845-CF20-4F65-B680-50B6FC51AF92}" type="slidenum">
+            <a:fld id="{780F53BF-1C37-4C94-82B3-B547BCDA4C3E}" type="slidenum">
               <a:rPr lang="zh-CN" altLang="en-US" smtClean="0"/>
               <a:t>‹#›</a:t>
             </a:fld>
@@ -1196,7 +1196,7 @@
     </p:spTree>
     <p:extLst>
       <p:ext uri="{BB962C8B-B14F-4D97-AF65-F5344CB8AC3E}">
-        <p14:creationId xmlns:p14="http://schemas.microsoft.com/office/powerpoint/2010/main" val="1978328854"/>
+        <p14:creationId xmlns:p14="http://schemas.microsoft.com/office/powerpoint/2010/main" val="1472734426"/>
       </p:ext>
     </p:extLst>
   </p:cSld>
@@ -1228,7 +1228,7 @@
           <p:cNvPr id="2" name="标题 1">
             <a:extLst>
               <a:ext uri="{FF2B5EF4-FFF2-40B4-BE49-F238E27FC236}">
-                <a16:creationId xmlns:a16="http://schemas.microsoft.com/office/drawing/2014/main" id="{FEB9598F-8F4C-613D-E782-CF2D8DA1BEFE}"/>
+                <a16:creationId xmlns:a16="http://schemas.microsoft.com/office/drawing/2014/main" id="{FF7C8377-8D65-B1B2-6BA3-7F11F8464DD4}"/>
               </a:ext>
             </a:extLst>
           </p:cNvPr>
@@ -1256,7 +1256,7 @@
           <p:cNvPr id="3" name="内容占位符 2">
             <a:extLst>
               <a:ext uri="{FF2B5EF4-FFF2-40B4-BE49-F238E27FC236}">
-                <a16:creationId xmlns:a16="http://schemas.microsoft.com/office/drawing/2014/main" id="{9B5343C7-6EE7-67A7-9035-6636C26198A9}"/>
+                <a16:creationId xmlns:a16="http://schemas.microsoft.com/office/drawing/2014/main" id="{EEE0FA28-9298-EA6D-0E6C-45EAB4394568}"/>
               </a:ext>
             </a:extLst>
           </p:cNvPr>
@@ -1318,7 +1318,7 @@
           <p:cNvPr id="4" name="内容占位符 3">
             <a:extLst>
               <a:ext uri="{FF2B5EF4-FFF2-40B4-BE49-F238E27FC236}">
-                <a16:creationId xmlns:a16="http://schemas.microsoft.com/office/drawing/2014/main" id="{53DCAAC0-DA34-134D-7058-CD54808CB8E2}"/>
+                <a16:creationId xmlns:a16="http://schemas.microsoft.com/office/drawing/2014/main" id="{BBB2E179-28FB-9394-A151-C670CD6BB6E1}"/>
               </a:ext>
             </a:extLst>
           </p:cNvPr>
@@ -1380,7 +1380,7 @@
           <p:cNvPr id="5" name="日期占位符 4">
             <a:extLst>
               <a:ext uri="{FF2B5EF4-FFF2-40B4-BE49-F238E27FC236}">
-                <a16:creationId xmlns:a16="http://schemas.microsoft.com/office/drawing/2014/main" id="{7BFEADB9-044E-C50A-F29A-820BB9D6B4B6}"/>
+                <a16:creationId xmlns:a16="http://schemas.microsoft.com/office/drawing/2014/main" id="{52692B3A-FD46-E648-2098-EA7D9553279D}"/>
               </a:ext>
             </a:extLst>
           </p:cNvPr>
@@ -1396,7 +1396,7 @@
           <a:bodyPr/>
           <a:lstStyle/>
           <a:p>
-            <a:fld id="{D700266C-2C88-4797-8D94-57042B8E66BE}" type="datetimeFigureOut">
+            <a:fld id="{4285405D-BB34-4ADD-AE8B-1903E8C1DA22}" type="datetimeFigureOut">
               <a:rPr lang="zh-CN" altLang="en-US" smtClean="0"/>
               <a:t>2024/3/10</a:t>
             </a:fld>
@@ -1409,7 +1409,7 @@
           <p:cNvPr id="6" name="页脚占位符 5">
             <a:extLst>
               <a:ext uri="{FF2B5EF4-FFF2-40B4-BE49-F238E27FC236}">
-                <a16:creationId xmlns:a16="http://schemas.microsoft.com/office/drawing/2014/main" id="{D92C24A6-D6CE-C8EB-FA15-F6A0741A3474}"/>
+                <a16:creationId xmlns:a16="http://schemas.microsoft.com/office/drawing/2014/main" id="{99CB6944-69D5-5D8C-2F1B-744C8C6B87CA}"/>
               </a:ext>
             </a:extLst>
           </p:cNvPr>
@@ -1434,7 +1434,7 @@
           <p:cNvPr id="7" name="灯片编号占位符 6">
             <a:extLst>
               <a:ext uri="{FF2B5EF4-FFF2-40B4-BE49-F238E27FC236}">
-                <a16:creationId xmlns:a16="http://schemas.microsoft.com/office/drawing/2014/main" id="{24EC010A-0414-F035-8A7A-54123696801E}"/>
+                <a16:creationId xmlns:a16="http://schemas.microsoft.com/office/drawing/2014/main" id="{19B8CF58-C123-18D4-B464-4B21A0EBDC3B}"/>
               </a:ext>
             </a:extLst>
           </p:cNvPr>
@@ -1450,7 +1450,7 @@
           <a:bodyPr/>
           <a:lstStyle/>
           <a:p>
-            <a:fld id="{3BCEE845-CF20-4F65-B680-50B6FC51AF92}" type="slidenum">
+            <a:fld id="{780F53BF-1C37-4C94-82B3-B547BCDA4C3E}" type="slidenum">
               <a:rPr lang="zh-CN" altLang="en-US" smtClean="0"/>
               <a:t>‹#›</a:t>
             </a:fld>
@@ -1461,7 +1461,7 @@
     </p:spTree>
     <p:extLst>
       <p:ext uri="{BB962C8B-B14F-4D97-AF65-F5344CB8AC3E}">
-        <p14:creationId xmlns:p14="http://schemas.microsoft.com/office/powerpoint/2010/main" val="2054043943"/>
+        <p14:creationId xmlns:p14="http://schemas.microsoft.com/office/powerpoint/2010/main" val="3156364245"/>
       </p:ext>
     </p:extLst>
   </p:cSld>
@@ -1493,7 +1493,7 @@
           <p:cNvPr id="2" name="标题 1">
             <a:extLst>
               <a:ext uri="{FF2B5EF4-FFF2-40B4-BE49-F238E27FC236}">
-                <a16:creationId xmlns:a16="http://schemas.microsoft.com/office/drawing/2014/main" id="{D7DCE7BF-D5F5-771F-2276-600230663118}"/>
+                <a16:creationId xmlns:a16="http://schemas.microsoft.com/office/drawing/2014/main" id="{979E7F0A-FC48-65A0-34EF-C9ABEA84B921}"/>
               </a:ext>
             </a:extLst>
           </p:cNvPr>
@@ -1526,7 +1526,7 @@
           <p:cNvPr id="3" name="文本占位符 2">
             <a:extLst>
               <a:ext uri="{FF2B5EF4-FFF2-40B4-BE49-F238E27FC236}">
-                <a16:creationId xmlns:a16="http://schemas.microsoft.com/office/drawing/2014/main" id="{230E9D4C-6EF8-F968-294D-6415EE58EE40}"/>
+                <a16:creationId xmlns:a16="http://schemas.microsoft.com/office/drawing/2014/main" id="{DC361D2F-66AB-9AC0-569F-2BF9553B753D}"/>
               </a:ext>
             </a:extLst>
           </p:cNvPr>
@@ -1597,7 +1597,7 @@
           <p:cNvPr id="4" name="内容占位符 3">
             <a:extLst>
               <a:ext uri="{FF2B5EF4-FFF2-40B4-BE49-F238E27FC236}">
-                <a16:creationId xmlns:a16="http://schemas.microsoft.com/office/drawing/2014/main" id="{449D42AA-4A0F-7489-B52F-85A59CA06E87}"/>
+                <a16:creationId xmlns:a16="http://schemas.microsoft.com/office/drawing/2014/main" id="{3F98E6FF-BCC0-F895-84C3-42A931BDA134}"/>
               </a:ext>
             </a:extLst>
           </p:cNvPr>
@@ -1659,7 +1659,7 @@
           <p:cNvPr id="5" name="文本占位符 4">
             <a:extLst>
               <a:ext uri="{FF2B5EF4-FFF2-40B4-BE49-F238E27FC236}">
-                <a16:creationId xmlns:a16="http://schemas.microsoft.com/office/drawing/2014/main" id="{D5FB0635-ABBC-1D77-9894-0FF1C28EB3A8}"/>
+                <a16:creationId xmlns:a16="http://schemas.microsoft.com/office/drawing/2014/main" id="{C99FF6DA-1C36-780F-2290-981C3E2361E1}"/>
               </a:ext>
             </a:extLst>
           </p:cNvPr>
@@ -1730,7 +1730,7 @@
           <p:cNvPr id="6" name="内容占位符 5">
             <a:extLst>
               <a:ext uri="{FF2B5EF4-FFF2-40B4-BE49-F238E27FC236}">
-                <a16:creationId xmlns:a16="http://schemas.microsoft.com/office/drawing/2014/main" id="{FEF5CB87-32A4-8C29-4A20-9F23937A7132}"/>
+                <a16:creationId xmlns:a16="http://schemas.microsoft.com/office/drawing/2014/main" id="{6F73E9DA-14E2-9C0D-8DC0-8EA1860E157F}"/>
               </a:ext>
             </a:extLst>
           </p:cNvPr>
@@ -1792,7 +1792,7 @@
           <p:cNvPr id="7" name="日期占位符 6">
             <a:extLst>
               <a:ext uri="{FF2B5EF4-FFF2-40B4-BE49-F238E27FC236}">
-                <a16:creationId xmlns:a16="http://schemas.microsoft.com/office/drawing/2014/main" id="{CA4F859F-DAA8-15A1-B3DC-1BDC1118AA49}"/>
+                <a16:creationId xmlns:a16="http://schemas.microsoft.com/office/drawing/2014/main" id="{250E2B01-8E9D-6FCE-FED4-00A70C86F698}"/>
               </a:ext>
             </a:extLst>
           </p:cNvPr>
@@ -1808,7 +1808,7 @@
           <a:bodyPr/>
           <a:lstStyle/>
           <a:p>
-            <a:fld id="{D700266C-2C88-4797-8D94-57042B8E66BE}" type="datetimeFigureOut">
+            <a:fld id="{4285405D-BB34-4ADD-AE8B-1903E8C1DA22}" type="datetimeFigureOut">
               <a:rPr lang="zh-CN" altLang="en-US" smtClean="0"/>
               <a:t>2024/3/10</a:t>
             </a:fld>
@@ -1821,7 +1821,7 @@
           <p:cNvPr id="8" name="页脚占位符 7">
             <a:extLst>
               <a:ext uri="{FF2B5EF4-FFF2-40B4-BE49-F238E27FC236}">
-                <a16:creationId xmlns:a16="http://schemas.microsoft.com/office/drawing/2014/main" id="{CD9079C1-BED5-01C1-2590-43D43A29FB47}"/>
+                <a16:creationId xmlns:a16="http://schemas.microsoft.com/office/drawing/2014/main" id="{5918FBCD-4740-E9B9-D702-4275021F3E52}"/>
               </a:ext>
             </a:extLst>
           </p:cNvPr>
@@ -1846,7 +1846,7 @@
           <p:cNvPr id="9" name="灯片编号占位符 8">
             <a:extLst>
               <a:ext uri="{FF2B5EF4-FFF2-40B4-BE49-F238E27FC236}">
-                <a16:creationId xmlns:a16="http://schemas.microsoft.com/office/drawing/2014/main" id="{AC697ABD-69FD-FAFC-0464-B8004C3DF163}"/>
+                <a16:creationId xmlns:a16="http://schemas.microsoft.com/office/drawing/2014/main" id="{64E4503F-0819-8A3E-5A83-FA8DD1BB3E5D}"/>
               </a:ext>
             </a:extLst>
           </p:cNvPr>
@@ -1862,7 +1862,7 @@
           <a:bodyPr/>
           <a:lstStyle/>
           <a:p>
-            <a:fld id="{3BCEE845-CF20-4F65-B680-50B6FC51AF92}" type="slidenum">
+            <a:fld id="{780F53BF-1C37-4C94-82B3-B547BCDA4C3E}" type="slidenum">
               <a:rPr lang="zh-CN" altLang="en-US" smtClean="0"/>
               <a:t>‹#›</a:t>
             </a:fld>
@@ -1873,7 +1873,7 @@
     </p:spTree>
     <p:extLst>
       <p:ext uri="{BB962C8B-B14F-4D97-AF65-F5344CB8AC3E}">
-        <p14:creationId xmlns:p14="http://schemas.microsoft.com/office/powerpoint/2010/main" val="3495218980"/>
+        <p14:creationId xmlns:p14="http://schemas.microsoft.com/office/powerpoint/2010/main" val="3165801098"/>
       </p:ext>
     </p:extLst>
   </p:cSld>
@@ -1905,7 +1905,7 @@
           <p:cNvPr id="2" name="标题 1">
             <a:extLst>
               <a:ext uri="{FF2B5EF4-FFF2-40B4-BE49-F238E27FC236}">
-                <a16:creationId xmlns:a16="http://schemas.microsoft.com/office/drawing/2014/main" id="{7921DB0D-4C9A-4D72-E490-BE2AE278A38C}"/>
+                <a16:creationId xmlns:a16="http://schemas.microsoft.com/office/drawing/2014/main" id="{DAF19E9E-6A1C-EE18-BD62-C42B9C8626A2}"/>
               </a:ext>
             </a:extLst>
           </p:cNvPr>
@@ -1933,7 +1933,7 @@
           <p:cNvPr id="3" name="日期占位符 2">
             <a:extLst>
               <a:ext uri="{FF2B5EF4-FFF2-40B4-BE49-F238E27FC236}">
-                <a16:creationId xmlns:a16="http://schemas.microsoft.com/office/drawing/2014/main" id="{5E7738AB-FBFB-8798-B747-C7D99FE73C3F}"/>
+                <a16:creationId xmlns:a16="http://schemas.microsoft.com/office/drawing/2014/main" id="{BD1108C1-82B9-A958-6C7D-854A3A2D0FD4}"/>
               </a:ext>
             </a:extLst>
           </p:cNvPr>
@@ -1949,7 +1949,7 @@
           <a:bodyPr/>
           <a:lstStyle/>
           <a:p>
-            <a:fld id="{D700266C-2C88-4797-8D94-57042B8E66BE}" type="datetimeFigureOut">
+            <a:fld id="{4285405D-BB34-4ADD-AE8B-1903E8C1DA22}" type="datetimeFigureOut">
               <a:rPr lang="zh-CN" altLang="en-US" smtClean="0"/>
               <a:t>2024/3/10</a:t>
             </a:fld>
@@ -1962,7 +1962,7 @@
           <p:cNvPr id="4" name="页脚占位符 3">
             <a:extLst>
               <a:ext uri="{FF2B5EF4-FFF2-40B4-BE49-F238E27FC236}">
-                <a16:creationId xmlns:a16="http://schemas.microsoft.com/office/drawing/2014/main" id="{2E04CE65-19C7-70C0-91A9-715697D87C2B}"/>
+                <a16:creationId xmlns:a16="http://schemas.microsoft.com/office/drawing/2014/main" id="{01C13D0B-1551-2630-1CA6-9704B37EDE98}"/>
               </a:ext>
             </a:extLst>
           </p:cNvPr>
@@ -1987,7 +1987,7 @@
           <p:cNvPr id="5" name="灯片编号占位符 4">
             <a:extLst>
               <a:ext uri="{FF2B5EF4-FFF2-40B4-BE49-F238E27FC236}">
-                <a16:creationId xmlns:a16="http://schemas.microsoft.com/office/drawing/2014/main" id="{9A7C5571-5A65-1492-2A08-18CDFEBADF74}"/>
+                <a16:creationId xmlns:a16="http://schemas.microsoft.com/office/drawing/2014/main" id="{70D17479-00F9-368C-6901-4BF02CF309B7}"/>
               </a:ext>
             </a:extLst>
           </p:cNvPr>
@@ -2003,7 +2003,7 @@
           <a:bodyPr/>
           <a:lstStyle/>
           <a:p>
-            <a:fld id="{3BCEE845-CF20-4F65-B680-50B6FC51AF92}" type="slidenum">
+            <a:fld id="{780F53BF-1C37-4C94-82B3-B547BCDA4C3E}" type="slidenum">
               <a:rPr lang="zh-CN" altLang="en-US" smtClean="0"/>
               <a:t>‹#›</a:t>
             </a:fld>
@@ -2014,7 +2014,7 @@
     </p:spTree>
     <p:extLst>
       <p:ext uri="{BB962C8B-B14F-4D97-AF65-F5344CB8AC3E}">
-        <p14:creationId xmlns:p14="http://schemas.microsoft.com/office/powerpoint/2010/main" val="3248985170"/>
+        <p14:creationId xmlns:p14="http://schemas.microsoft.com/office/powerpoint/2010/main" val="635401411"/>
       </p:ext>
     </p:extLst>
   </p:cSld>
@@ -2046,7 +2046,7 @@
           <p:cNvPr id="2" name="日期占位符 1">
             <a:extLst>
               <a:ext uri="{FF2B5EF4-FFF2-40B4-BE49-F238E27FC236}">
-                <a16:creationId xmlns:a16="http://schemas.microsoft.com/office/drawing/2014/main" id="{AAC546AC-95CA-5658-5057-9B07DA5F1619}"/>
+                <a16:creationId xmlns:a16="http://schemas.microsoft.com/office/drawing/2014/main" id="{AE94488F-08D1-C111-ED73-6B733E8DA525}"/>
               </a:ext>
             </a:extLst>
           </p:cNvPr>
@@ -2062,7 +2062,7 @@
           <a:bodyPr/>
           <a:lstStyle/>
           <a:p>
-            <a:fld id="{D700266C-2C88-4797-8D94-57042B8E66BE}" type="datetimeFigureOut">
+            <a:fld id="{4285405D-BB34-4ADD-AE8B-1903E8C1DA22}" type="datetimeFigureOut">
               <a:rPr lang="zh-CN" altLang="en-US" smtClean="0"/>
               <a:t>2024/3/10</a:t>
             </a:fld>
@@ -2075,7 +2075,7 @@
           <p:cNvPr id="3" name="页脚占位符 2">
             <a:extLst>
               <a:ext uri="{FF2B5EF4-FFF2-40B4-BE49-F238E27FC236}">
-                <a16:creationId xmlns:a16="http://schemas.microsoft.com/office/drawing/2014/main" id="{034BEB15-0F29-4403-D4A4-AC065D712192}"/>
+                <a16:creationId xmlns:a16="http://schemas.microsoft.com/office/drawing/2014/main" id="{0333CF87-608B-41F3-3344-60B767B272B4}"/>
               </a:ext>
             </a:extLst>
           </p:cNvPr>
@@ -2100,7 +2100,7 @@
           <p:cNvPr id="4" name="灯片编号占位符 3">
             <a:extLst>
               <a:ext uri="{FF2B5EF4-FFF2-40B4-BE49-F238E27FC236}">
-                <a16:creationId xmlns:a16="http://schemas.microsoft.com/office/drawing/2014/main" id="{579BA5B0-CC7D-0AE8-676B-0F58AA705A16}"/>
+                <a16:creationId xmlns:a16="http://schemas.microsoft.com/office/drawing/2014/main" id="{6744CB0E-FBCA-E718-1A8C-BA1AFBD29DAC}"/>
               </a:ext>
             </a:extLst>
           </p:cNvPr>
@@ -2116,7 +2116,7 @@
           <a:bodyPr/>
           <a:lstStyle/>
           <a:p>
-            <a:fld id="{3BCEE845-CF20-4F65-B680-50B6FC51AF92}" type="slidenum">
+            <a:fld id="{780F53BF-1C37-4C94-82B3-B547BCDA4C3E}" type="slidenum">
               <a:rPr lang="zh-CN" altLang="en-US" smtClean="0"/>
               <a:t>‹#›</a:t>
             </a:fld>
@@ -2127,7 +2127,7 @@
     </p:spTree>
     <p:extLst>
       <p:ext uri="{BB962C8B-B14F-4D97-AF65-F5344CB8AC3E}">
-        <p14:creationId xmlns:p14="http://schemas.microsoft.com/office/powerpoint/2010/main" val="775403504"/>
+        <p14:creationId xmlns:p14="http://schemas.microsoft.com/office/powerpoint/2010/main" val="3139157799"/>
       </p:ext>
     </p:extLst>
   </p:cSld>
@@ -2159,7 +2159,7 @@
           <p:cNvPr id="2" name="标题 1">
             <a:extLst>
               <a:ext uri="{FF2B5EF4-FFF2-40B4-BE49-F238E27FC236}">
-                <a16:creationId xmlns:a16="http://schemas.microsoft.com/office/drawing/2014/main" id="{8ECC2585-9E4E-99B9-6228-001B9807FB55}"/>
+                <a16:creationId xmlns:a16="http://schemas.microsoft.com/office/drawing/2014/main" id="{B02B668B-6CC1-42B4-1A40-EF57B273B934}"/>
               </a:ext>
             </a:extLst>
           </p:cNvPr>
@@ -2196,7 +2196,7 @@
           <p:cNvPr id="3" name="内容占位符 2">
             <a:extLst>
               <a:ext uri="{FF2B5EF4-FFF2-40B4-BE49-F238E27FC236}">
-                <a16:creationId xmlns:a16="http://schemas.microsoft.com/office/drawing/2014/main" id="{A793C611-766F-05B8-8A7C-4151D05B40E1}"/>
+                <a16:creationId xmlns:a16="http://schemas.microsoft.com/office/drawing/2014/main" id="{9DF0CC13-D23C-C2BF-F96B-F14241C7F0CB}"/>
               </a:ext>
             </a:extLst>
           </p:cNvPr>
@@ -2286,7 +2286,7 @@
           <p:cNvPr id="4" name="文本占位符 3">
             <a:extLst>
               <a:ext uri="{FF2B5EF4-FFF2-40B4-BE49-F238E27FC236}">
-                <a16:creationId xmlns:a16="http://schemas.microsoft.com/office/drawing/2014/main" id="{F394EF1B-9E1A-C9BD-B7B9-C9EE84D0DD9D}"/>
+                <a16:creationId xmlns:a16="http://schemas.microsoft.com/office/drawing/2014/main" id="{281B9F1B-6030-452C-32C5-15AEFCE0CE9C}"/>
               </a:ext>
             </a:extLst>
           </p:cNvPr>
@@ -2357,7 +2357,7 @@
           <p:cNvPr id="5" name="日期占位符 4">
             <a:extLst>
               <a:ext uri="{FF2B5EF4-FFF2-40B4-BE49-F238E27FC236}">
-                <a16:creationId xmlns:a16="http://schemas.microsoft.com/office/drawing/2014/main" id="{5190F9F9-BA87-FC4F-B762-B6DF136AC137}"/>
+                <a16:creationId xmlns:a16="http://schemas.microsoft.com/office/drawing/2014/main" id="{8151ED54-FE93-83E3-8288-9D3A70A21056}"/>
               </a:ext>
             </a:extLst>
           </p:cNvPr>
@@ -2373,7 +2373,7 @@
           <a:bodyPr/>
           <a:lstStyle/>
           <a:p>
-            <a:fld id="{D700266C-2C88-4797-8D94-57042B8E66BE}" type="datetimeFigureOut">
+            <a:fld id="{4285405D-BB34-4ADD-AE8B-1903E8C1DA22}" type="datetimeFigureOut">
               <a:rPr lang="zh-CN" altLang="en-US" smtClean="0"/>
               <a:t>2024/3/10</a:t>
             </a:fld>
@@ -2386,7 +2386,7 @@
           <p:cNvPr id="6" name="页脚占位符 5">
             <a:extLst>
               <a:ext uri="{FF2B5EF4-FFF2-40B4-BE49-F238E27FC236}">
-                <a16:creationId xmlns:a16="http://schemas.microsoft.com/office/drawing/2014/main" id="{6D3298F9-2F69-F5AD-2A1D-CCBB2A056FAE}"/>
+                <a16:creationId xmlns:a16="http://schemas.microsoft.com/office/drawing/2014/main" id="{406AE045-CE72-ED49-BD46-C96129299DF4}"/>
               </a:ext>
             </a:extLst>
           </p:cNvPr>
@@ -2411,7 +2411,7 @@
           <p:cNvPr id="7" name="灯片编号占位符 6">
             <a:extLst>
               <a:ext uri="{FF2B5EF4-FFF2-40B4-BE49-F238E27FC236}">
-                <a16:creationId xmlns:a16="http://schemas.microsoft.com/office/drawing/2014/main" id="{7C865506-F4D8-27AD-8B28-1BB461993131}"/>
+                <a16:creationId xmlns:a16="http://schemas.microsoft.com/office/drawing/2014/main" id="{899ADCB1-FD39-954C-A874-5751B4DF57CA}"/>
               </a:ext>
             </a:extLst>
           </p:cNvPr>
@@ -2427,7 +2427,7 @@
           <a:bodyPr/>
           <a:lstStyle/>
           <a:p>
-            <a:fld id="{3BCEE845-CF20-4F65-B680-50B6FC51AF92}" type="slidenum">
+            <a:fld id="{780F53BF-1C37-4C94-82B3-B547BCDA4C3E}" type="slidenum">
               <a:rPr lang="zh-CN" altLang="en-US" smtClean="0"/>
               <a:t>‹#›</a:t>
             </a:fld>
@@ -2438,7 +2438,7 @@
     </p:spTree>
     <p:extLst>
       <p:ext uri="{BB962C8B-B14F-4D97-AF65-F5344CB8AC3E}">
-        <p14:creationId xmlns:p14="http://schemas.microsoft.com/office/powerpoint/2010/main" val="3149817534"/>
+        <p14:creationId xmlns:p14="http://schemas.microsoft.com/office/powerpoint/2010/main" val="2866941048"/>
       </p:ext>
     </p:extLst>
   </p:cSld>
@@ -2470,7 +2470,7 @@
           <p:cNvPr id="2" name="标题 1">
             <a:extLst>
               <a:ext uri="{FF2B5EF4-FFF2-40B4-BE49-F238E27FC236}">
-                <a16:creationId xmlns:a16="http://schemas.microsoft.com/office/drawing/2014/main" id="{41BAE7A1-7954-5026-3B9F-B1F52DF9B0B7}"/>
+                <a16:creationId xmlns:a16="http://schemas.microsoft.com/office/drawing/2014/main" id="{C65231D8-8708-21E8-B1A9-39615FBFF62F}"/>
               </a:ext>
             </a:extLst>
           </p:cNvPr>
@@ -2507,7 +2507,7 @@
           <p:cNvPr id="3" name="图片占位符 2">
             <a:extLst>
               <a:ext uri="{FF2B5EF4-FFF2-40B4-BE49-F238E27FC236}">
-                <a16:creationId xmlns:a16="http://schemas.microsoft.com/office/drawing/2014/main" id="{1F77A73C-6B36-4C03-36F3-28F042962E0D}"/>
+                <a16:creationId xmlns:a16="http://schemas.microsoft.com/office/drawing/2014/main" id="{A6C6924A-9744-01AA-C3C6-0B85471AD5D7}"/>
               </a:ext>
             </a:extLst>
           </p:cNvPr>
@@ -2574,7 +2574,7 @@
           <p:cNvPr id="4" name="文本占位符 3">
             <a:extLst>
               <a:ext uri="{FF2B5EF4-FFF2-40B4-BE49-F238E27FC236}">
-                <a16:creationId xmlns:a16="http://schemas.microsoft.com/office/drawing/2014/main" id="{D041645B-835B-7A23-12CC-C1DB223FE903}"/>
+                <a16:creationId xmlns:a16="http://schemas.microsoft.com/office/drawing/2014/main" id="{8FA7D8FF-00BD-3C9C-9ABD-48215F30745A}"/>
               </a:ext>
             </a:extLst>
           </p:cNvPr>
@@ -2645,7 +2645,7 @@
           <p:cNvPr id="5" name="日期占位符 4">
             <a:extLst>
               <a:ext uri="{FF2B5EF4-FFF2-40B4-BE49-F238E27FC236}">
-                <a16:creationId xmlns:a16="http://schemas.microsoft.com/office/drawing/2014/main" id="{51900719-7F29-5E55-EFCE-63AC0F45BF81}"/>
+                <a16:creationId xmlns:a16="http://schemas.microsoft.com/office/drawing/2014/main" id="{39E1BCED-E305-A57D-E13A-8961FA25986C}"/>
               </a:ext>
             </a:extLst>
           </p:cNvPr>
@@ -2661,7 +2661,7 @@
           <a:bodyPr/>
           <a:lstStyle/>
           <a:p>
-            <a:fld id="{D700266C-2C88-4797-8D94-57042B8E66BE}" type="datetimeFigureOut">
+            <a:fld id="{4285405D-BB34-4ADD-AE8B-1903E8C1DA22}" type="datetimeFigureOut">
               <a:rPr lang="zh-CN" altLang="en-US" smtClean="0"/>
               <a:t>2024/3/10</a:t>
             </a:fld>
@@ -2674,7 +2674,7 @@
           <p:cNvPr id="6" name="页脚占位符 5">
             <a:extLst>
               <a:ext uri="{FF2B5EF4-FFF2-40B4-BE49-F238E27FC236}">
-                <a16:creationId xmlns:a16="http://schemas.microsoft.com/office/drawing/2014/main" id="{9A55E655-7D0F-D325-441B-70C0CA4DE178}"/>
+                <a16:creationId xmlns:a16="http://schemas.microsoft.com/office/drawing/2014/main" id="{55CD343C-7302-97DA-38F5-AAEA68D3EE0B}"/>
               </a:ext>
             </a:extLst>
           </p:cNvPr>
@@ -2699,7 +2699,7 @@
           <p:cNvPr id="7" name="灯片编号占位符 6">
             <a:extLst>
               <a:ext uri="{FF2B5EF4-FFF2-40B4-BE49-F238E27FC236}">
-                <a16:creationId xmlns:a16="http://schemas.microsoft.com/office/drawing/2014/main" id="{28A91484-AA46-C366-BCED-AF46D339B27C}"/>
+                <a16:creationId xmlns:a16="http://schemas.microsoft.com/office/drawing/2014/main" id="{501B3EE5-F5FD-21D0-A01D-2F23E488599F}"/>
               </a:ext>
             </a:extLst>
           </p:cNvPr>
@@ -2715,7 +2715,7 @@
           <a:bodyPr/>
           <a:lstStyle/>
           <a:p>
-            <a:fld id="{3BCEE845-CF20-4F65-B680-50B6FC51AF92}" type="slidenum">
+            <a:fld id="{780F53BF-1C37-4C94-82B3-B547BCDA4C3E}" type="slidenum">
               <a:rPr lang="zh-CN" altLang="en-US" smtClean="0"/>
               <a:t>‹#›</a:t>
             </a:fld>
@@ -2726,7 +2726,7 @@
     </p:spTree>
     <p:extLst>
       <p:ext uri="{BB962C8B-B14F-4D97-AF65-F5344CB8AC3E}">
-        <p14:creationId xmlns:p14="http://schemas.microsoft.com/office/powerpoint/2010/main" val="1525516096"/>
+        <p14:creationId xmlns:p14="http://schemas.microsoft.com/office/powerpoint/2010/main" val="3997871202"/>
       </p:ext>
     </p:extLst>
   </p:cSld>
@@ -2763,7 +2763,7 @@
           <p:cNvPr id="2" name="标题占位符 1">
             <a:extLst>
               <a:ext uri="{FF2B5EF4-FFF2-40B4-BE49-F238E27FC236}">
-                <a16:creationId xmlns:a16="http://schemas.microsoft.com/office/drawing/2014/main" id="{E6121EC7-3F10-E4AD-3458-CA33D01A3EB5}"/>
+                <a16:creationId xmlns:a16="http://schemas.microsoft.com/office/drawing/2014/main" id="{94623D46-F4F5-E9A7-F9D2-94370801683A}"/>
               </a:ext>
             </a:extLst>
           </p:cNvPr>
@@ -2801,7 +2801,7 @@
           <p:cNvPr id="3" name="文本占位符 2">
             <a:extLst>
               <a:ext uri="{FF2B5EF4-FFF2-40B4-BE49-F238E27FC236}">
-                <a16:creationId xmlns:a16="http://schemas.microsoft.com/office/drawing/2014/main" id="{840BCC61-FF91-E22E-3AF0-A9DF2AEF39A0}"/>
+                <a16:creationId xmlns:a16="http://schemas.microsoft.com/office/drawing/2014/main" id="{EFB4A717-5CD2-BF2A-B440-76EBBBA99B1D}"/>
               </a:ext>
             </a:extLst>
           </p:cNvPr>
@@ -2868,7 +2868,7 @@
           <p:cNvPr id="4" name="日期占位符 3">
             <a:extLst>
               <a:ext uri="{FF2B5EF4-FFF2-40B4-BE49-F238E27FC236}">
-                <a16:creationId xmlns:a16="http://schemas.microsoft.com/office/drawing/2014/main" id="{21E4A247-0814-5B03-1E6D-DB664B686D2C}"/>
+                <a16:creationId xmlns:a16="http://schemas.microsoft.com/office/drawing/2014/main" id="{06366DB4-FBDA-84ED-0EF8-C13272648BE4}"/>
               </a:ext>
             </a:extLst>
           </p:cNvPr>
@@ -2902,7 +2902,7 @@
             </a:lvl1pPr>
           </a:lstStyle>
           <a:p>
-            <a:fld id="{D700266C-2C88-4797-8D94-57042B8E66BE}" type="datetimeFigureOut">
+            <a:fld id="{4285405D-BB34-4ADD-AE8B-1903E8C1DA22}" type="datetimeFigureOut">
               <a:rPr lang="zh-CN" altLang="en-US" smtClean="0"/>
               <a:t>2024/3/10</a:t>
             </a:fld>
@@ -2915,7 +2915,7 @@
           <p:cNvPr id="5" name="页脚占位符 4">
             <a:extLst>
               <a:ext uri="{FF2B5EF4-FFF2-40B4-BE49-F238E27FC236}">
-                <a16:creationId xmlns:a16="http://schemas.microsoft.com/office/drawing/2014/main" id="{C67EB3C1-C9E4-D9AB-7CBE-0C28F60C44B9}"/>
+                <a16:creationId xmlns:a16="http://schemas.microsoft.com/office/drawing/2014/main" id="{BE4039C5-E4D0-A89C-106E-2ABEB4CE65A6}"/>
               </a:ext>
             </a:extLst>
           </p:cNvPr>
@@ -2958,7 +2958,7 @@
           <p:cNvPr id="6" name="灯片编号占位符 5">
             <a:extLst>
               <a:ext uri="{FF2B5EF4-FFF2-40B4-BE49-F238E27FC236}">
-                <a16:creationId xmlns:a16="http://schemas.microsoft.com/office/drawing/2014/main" id="{8A8CF779-402F-08F7-454E-364C3D5B2C63}"/>
+                <a16:creationId xmlns:a16="http://schemas.microsoft.com/office/drawing/2014/main" id="{DF038550-0803-A31E-5B37-2B18447A07E3}"/>
               </a:ext>
             </a:extLst>
           </p:cNvPr>
@@ -2992,7 +2992,7 @@
             </a:lvl1pPr>
           </a:lstStyle>
           <a:p>
-            <a:fld id="{3BCEE845-CF20-4F65-B680-50B6FC51AF92}" type="slidenum">
+            <a:fld id="{780F53BF-1C37-4C94-82B3-B547BCDA4C3E}" type="slidenum">
               <a:rPr lang="zh-CN" altLang="en-US" smtClean="0"/>
               <a:t>‹#›</a:t>
             </a:fld>
@@ -3003,7 +3003,7 @@
     </p:spTree>
     <p:extLst>
       <p:ext uri="{BB962C8B-B14F-4D97-AF65-F5344CB8AC3E}">
-        <p14:creationId xmlns:p14="http://schemas.microsoft.com/office/powerpoint/2010/main" val="3816917633"/>
+        <p14:creationId xmlns:p14="http://schemas.microsoft.com/office/powerpoint/2010/main" val="80077897"/>
       </p:ext>
     </p:extLst>
   </p:cSld>
@@ -3323,7 +3323,7 @@
       </p:grpSpPr>
       <p:pic>
         <p:nvPicPr>
-          <p:cNvPr id="820226" name="Picture 2" descr="800"/>
+          <p:cNvPr id="821250" name="Picture 2" descr="801"/>
           <p:cNvPicPr>
             <a:picLocks noChangeAspect="1" noChangeArrowheads="1"/>
           </p:cNvPicPr>
@@ -3345,7 +3345,7 @@
         <p:spPr bwMode="auto">
           <a:xfrm>
             <a:off x="1524000" y="0"/>
-            <a:ext cx="9144000" cy="6858000"/>
+            <a:ext cx="9144000" cy="5805488"/>
           </a:xfrm>
           <a:prstGeom prst="rect">
             <a:avLst/>
@@ -3375,158 +3375,11 @@
           </a:extLst>
         </p:spPr>
       </p:pic>
-      <p:pic>
-        <p:nvPicPr>
-          <p:cNvPr id="821251" name="Picture 3" descr="800-2"/>
-          <p:cNvPicPr>
-            <a:picLocks noChangeAspect="1" noChangeArrowheads="1"/>
-          </p:cNvPicPr>
-          <p:nvPr/>
-        </p:nvPicPr>
-        <p:blipFill>
-          <a:blip r:embed="rId3">
-            <a:extLst>
-              <a:ext uri="{28A0092B-C50C-407E-A947-70E740481C1C}">
-                <a14:useLocalDpi xmlns:a14="http://schemas.microsoft.com/office/drawing/2010/main" val="0"/>
-              </a:ext>
-            </a:extLst>
-          </a:blip>
-          <a:srcRect/>
-          <a:stretch>
-            <a:fillRect/>
-          </a:stretch>
-        </p:blipFill>
-        <p:spPr bwMode="auto">
-          <a:xfrm>
-            <a:off x="1524000" y="0"/>
-            <a:ext cx="9144000" cy="6858000"/>
-          </a:xfrm>
-          <a:prstGeom prst="rect">
-            <a:avLst/>
-          </a:prstGeom>
-          <a:noFill/>
-          <a:ln>
-            <a:noFill/>
-          </a:ln>
-          <a:effectLst/>
-          <a:extLst>
-            <a:ext uri="{909E8E84-426E-40DD-AFC4-6F175D3DCCD1}">
-              <a14:hiddenFill xmlns:a14="http://schemas.microsoft.com/office/drawing/2010/main">
-                <a:solidFill>
-                  <a:srgbClr val="FFFFFF"/>
-                </a:solidFill>
-              </a14:hiddenFill>
-            </a:ext>
-            <a:ext uri="{91240B29-F687-4F45-9708-019B960494DF}">
-              <a14:hiddenLine xmlns:a14="http://schemas.microsoft.com/office/drawing/2010/main" w="9525">
-                <a:solidFill>
-                  <a:srgbClr val="000000"/>
-                </a:solidFill>
-                <a:miter lim="800000"/>
-                <a:headEnd/>
-                <a:tailEnd/>
-              </a14:hiddenLine>
-            </a:ext>
-            <a:ext uri="{AF507438-7753-43E0-B8FC-AC1667EBCBE1}">
-              <a14:hiddenEffects xmlns:a14="http://schemas.microsoft.com/office/drawing/2010/main">
-                <a:effectLst>
-                  <a:outerShdw dist="35921" dir="2700000" algn="ctr" rotWithShape="0">
-                    <a:srgbClr val="808080"/>
-                  </a:outerShdw>
-                </a:effectLst>
-              </a14:hiddenEffects>
-            </a:ext>
-          </a:extLst>
-        </p:spPr>
-      </p:pic>
     </p:spTree>
   </p:cSld>
   <p:clrMapOvr>
     <a:masterClrMapping/>
   </p:clrMapOvr>
-  <p:timing>
-    <p:tnLst>
-      <p:par>
-        <p:cTn id="1" dur="indefinite" restart="never" nodeType="tmRoot">
-          <p:childTnLst>
-            <p:seq concurrent="1" nextAc="seek">
-              <p:cTn id="2" dur="indefinite" nodeType="mainSeq">
-                <p:childTnLst>
-                  <p:par>
-                    <p:cTn id="3" fill="hold" nodeType="clickPar">
-                      <p:stCondLst>
-                        <p:cond delay="indefinite"/>
-                      </p:stCondLst>
-                      <p:childTnLst>
-                        <p:par>
-                          <p:cTn id="4" fill="hold" nodeType="withGroup">
-                            <p:stCondLst>
-                              <p:cond delay="0"/>
-                            </p:stCondLst>
-                            <p:childTnLst>
-                              <p:par>
-                                <p:cTn id="5" presetID="10" presetClass="entr" presetSubtype="0" fill="hold" nodeType="clickEffect">
-                                  <p:stCondLst>
-                                    <p:cond delay="0"/>
-                                  </p:stCondLst>
-                                  <p:childTnLst>
-                                    <p:set>
-                                      <p:cBhvr>
-                                        <p:cTn id="6" dur="1" fill="hold">
-                                          <p:stCondLst>
-                                            <p:cond delay="0"/>
-                                          </p:stCondLst>
-                                        </p:cTn>
-                                        <p:tgtEl>
-                                          <p:spTgt spid="821251"/>
-                                        </p:tgtEl>
-                                        <p:attrNameLst>
-                                          <p:attrName>style.visibility</p:attrName>
-                                        </p:attrNameLst>
-                                      </p:cBhvr>
-                                      <p:to>
-                                        <p:strVal val="visible"/>
-                                      </p:to>
-                                    </p:set>
-                                    <p:animEffect transition="in" filter="fade">
-                                      <p:cBhvr>
-                                        <p:cTn id="7" dur="500"/>
-                                        <p:tgtEl>
-                                          <p:spTgt spid="821251"/>
-                                        </p:tgtEl>
-                                      </p:cBhvr>
-                                    </p:animEffect>
-                                  </p:childTnLst>
-                                </p:cTn>
-                              </p:par>
-                            </p:childTnLst>
-                          </p:cTn>
-                        </p:par>
-                      </p:childTnLst>
-                    </p:cTn>
-                  </p:par>
-                </p:childTnLst>
-              </p:cTn>
-              <p:prevCondLst>
-                <p:cond evt="onPrev" delay="0">
-                  <p:tgtEl>
-                    <p:sldTgt/>
-                  </p:tgtEl>
-                </p:cond>
-              </p:prevCondLst>
-              <p:nextCondLst>
-                <p:cond evt="onNext" delay="0">
-                  <p:tgtEl>
-                    <p:sldTgt/>
-                  </p:tgtEl>
-                </p:cond>
-              </p:nextCondLst>
-            </p:seq>
-          </p:childTnLst>
-        </p:cTn>
-      </p:par>
-    </p:tnLst>
-  </p:timing>
 </p:sld>
 </file>
 
